--- a/Livrables/Présentation Finale.pptx
+++ b/Livrables/Présentation Finale.pptx
@@ -5,7 +5,7 @@
     <p:sldMasterId id="2147484728" r:id="rId1"/>
   </p:sldMasterIdLst>
   <p:notesMasterIdLst>
-    <p:notesMasterId r:id="rId16"/>
+    <p:notesMasterId r:id="rId21"/>
   </p:notesMasterIdLst>
   <p:sldIdLst>
     <p:sldId id="256" r:id="rId2"/>
@@ -16,12 +16,17 @@
     <p:sldId id="261" r:id="rId7"/>
     <p:sldId id="262" r:id="rId8"/>
     <p:sldId id="263" r:id="rId9"/>
-    <p:sldId id="264" r:id="rId10"/>
-    <p:sldId id="265" r:id="rId11"/>
-    <p:sldId id="266" r:id="rId12"/>
-    <p:sldId id="267" r:id="rId13"/>
-    <p:sldId id="268" r:id="rId14"/>
-    <p:sldId id="269" r:id="rId15"/>
+    <p:sldId id="270" r:id="rId10"/>
+    <p:sldId id="271" r:id="rId11"/>
+    <p:sldId id="272" r:id="rId12"/>
+    <p:sldId id="274" r:id="rId13"/>
+    <p:sldId id="273" r:id="rId14"/>
+    <p:sldId id="264" r:id="rId15"/>
+    <p:sldId id="265" r:id="rId16"/>
+    <p:sldId id="266" r:id="rId17"/>
+    <p:sldId id="267" r:id="rId18"/>
+    <p:sldId id="268" r:id="rId19"/>
+    <p:sldId id="269" r:id="rId20"/>
   </p:sldIdLst>
   <p:sldSz cx="9144000" cy="6858000" type="screen4x3"/>
   <p:notesSz cx="6858000" cy="9144000"/>
@@ -221,7 +226,7 @@
           <a:p>
             <a:fld id="{C7A8994F-AAC9-4FF1-A497-76C32B18DD3D}" type="datetimeFigureOut">
               <a:rPr lang="fr-FR" smtClean="0"/>
-              <a:t>21/11/2015</a:t>
+              <a:t>22/11/2015</a:t>
             </a:fld>
             <a:endParaRPr lang="fr-FR"/>
           </a:p>
@@ -549,7 +554,7 @@
             <a:fld id="{2233D26B-DFC2-4248-8ED0-AD3E108CBDD7}" type="datetime1">
               <a:rPr lang="en-US" smtClean="0"/>
               <a:pPr/>
-              <a:t>11/21/2015</a:t>
+              <a:t>11/22/2015</a:t>
             </a:fld>
             <a:endParaRPr lang="en-US"/>
           </a:p>
@@ -867,7 +872,7 @@
             <a:fld id="{E694C003-38E8-486A-9BFD-47E55D87241C}" type="datetime1">
               <a:rPr lang="en-US" smtClean="0"/>
               <a:pPr/>
-              <a:t>11/21/2015</a:t>
+              <a:t>11/22/2015</a:t>
             </a:fld>
             <a:endParaRPr lang="en-US"/>
           </a:p>
@@ -1044,7 +1049,7 @@
             <a:fld id="{E059EAA3-934B-41DB-B3B1-806F4BE5CC37}" type="datetime1">
               <a:rPr lang="en-US" smtClean="0"/>
               <a:pPr/>
-              <a:t>11/21/2015</a:t>
+              <a:t>11/22/2015</a:t>
             </a:fld>
             <a:endParaRPr lang="en-US"/>
           </a:p>
@@ -1164,7 +1169,7 @@
             <a:fld id="{8F97F932-D99A-4087-BFB1-EA42FAFC8D2C}" type="datetime1">
               <a:rPr lang="en-US" smtClean="0"/>
               <a:pPr/>
-              <a:t>11/21/2015</a:t>
+              <a:t>11/22/2015</a:t>
             </a:fld>
             <a:endParaRPr lang="en-US"/>
           </a:p>
@@ -1464,7 +1469,7 @@
             <a:fld id="{79C96367-2F2B-4F6E-ACF4-15FA13738E10}" type="datetime1">
               <a:rPr lang="en-US" smtClean="0"/>
               <a:pPr/>
-              <a:t>11/21/2015</a:t>
+              <a:t>11/22/2015</a:t>
             </a:fld>
             <a:endParaRPr lang="en-US"/>
           </a:p>
@@ -1759,7 +1764,7 @@
             <a:fld id="{8FB3498D-21C7-408B-8EF5-5B55DEF0BFD5}" type="datetime1">
               <a:rPr lang="en-US" smtClean="0"/>
               <a:pPr/>
-              <a:t>11/21/2015</a:t>
+              <a:t>11/22/2015</a:t>
             </a:fld>
             <a:endParaRPr lang="en-US"/>
           </a:p>
@@ -2189,7 +2194,7 @@
             <a:fld id="{84DB246E-8FD1-42FF-94A4-E4133095C37A}" type="datetime1">
               <a:rPr lang="en-US" smtClean="0"/>
               <a:pPr/>
-              <a:t>11/21/2015</a:t>
+              <a:t>11/22/2015</a:t>
             </a:fld>
             <a:endParaRPr lang="en-US"/>
           </a:p>
@@ -2309,7 +2314,7 @@
             <a:fld id="{A93939D4-B818-4372-B1EE-7CB6D5BBC74A}" type="datetime1">
               <a:rPr lang="en-US" smtClean="0"/>
               <a:pPr/>
-              <a:t>11/21/2015</a:t>
+              <a:t>11/22/2015</a:t>
             </a:fld>
             <a:endParaRPr lang="en-US"/>
           </a:p>
@@ -2401,7 +2406,7 @@
             <a:fld id="{2F35E438-4D0D-4834-B658-A90420491D98}" type="datetime1">
               <a:rPr lang="en-US" smtClean="0"/>
               <a:pPr/>
-              <a:t>11/21/2015</a:t>
+              <a:t>11/22/2015</a:t>
             </a:fld>
             <a:endParaRPr lang="en-US"/>
           </a:p>
@@ -2653,7 +2658,7 @@
             <a:fld id="{76F8ADFA-7142-4015-85E6-1712F15FA709}" type="datetime1">
               <a:rPr lang="en-US" smtClean="0"/>
               <a:pPr/>
-              <a:t>11/21/2015</a:t>
+              <a:t>11/22/2015</a:t>
             </a:fld>
             <a:endParaRPr lang="en-US"/>
           </a:p>
@@ -3171,7 +3176,7 @@
             <a:fld id="{34A581E0-D653-4D78-A48F-41D80498BC7E}" type="datetime1">
               <a:rPr lang="en-US" smtClean="0"/>
               <a:pPr/>
-              <a:t>11/21/2015</a:t>
+              <a:t>11/22/2015</a:t>
             </a:fld>
             <a:endParaRPr lang="en-US"/>
           </a:p>
@@ -3403,7 +3408,7 @@
             <a:fld id="{8B3AFFF1-9C47-49F0-AE12-AF188F3F4E82}" type="datetime1">
               <a:rPr lang="en-US" smtClean="0"/>
               <a:pPr/>
-              <a:t>11/21/2015</a:t>
+              <a:t>11/22/2015</a:t>
             </a:fld>
             <a:endParaRPr lang="en-US" dirty="0"/>
           </a:p>
@@ -4142,6 +4147,806 @@
           <a:p>
             <a:r>
               <a:rPr lang="fr-FR" dirty="0" smtClean="0"/>
+              <a:t>4 </a:t>
+            </a:r>
+            <a:r>
+              <a:rPr lang="fr-FR" dirty="0" err="1" smtClean="0"/>
+              <a:t>Layouts</a:t>
+            </a:r>
+            <a:endParaRPr lang="fr-FR" dirty="0"/>
+          </a:p>
+        </p:txBody>
+      </p:sp>
+      <p:sp>
+        <p:nvSpPr>
+          <p:cNvPr id="3" name="Content Placeholder 2"/>
+          <p:cNvSpPr>
+            <a:spLocks noGrp="1"/>
+          </p:cNvSpPr>
+          <p:nvPr>
+            <p:ph sz="quarter" idx="13"/>
+          </p:nvPr>
+        </p:nvSpPr>
+        <p:spPr/>
+        <p:txBody>
+          <a:bodyPr/>
+          <a:lstStyle/>
+          <a:p>
+            <a:r>
+              <a:rPr lang="fr-FR" dirty="0"/>
+              <a:t>Recherche de la simplicité d’utilisation</a:t>
+            </a:r>
+          </a:p>
+          <a:p>
+            <a:endParaRPr lang="fr-FR" dirty="0"/>
+          </a:p>
+        </p:txBody>
+      </p:sp>
+      <p:grpSp>
+        <p:nvGrpSpPr>
+          <p:cNvPr id="4" name="Groupe 8"/>
+          <p:cNvGrpSpPr/>
+          <p:nvPr/>
+        </p:nvGrpSpPr>
+        <p:grpSpPr>
+          <a:xfrm>
+            <a:off x="247132" y="2475000"/>
+            <a:ext cx="8649736" cy="3240000"/>
+            <a:chOff x="251520" y="2636912"/>
+            <a:chExt cx="8649736" cy="3240000"/>
+          </a:xfrm>
+        </p:grpSpPr>
+        <p:pic>
+          <p:nvPicPr>
+            <p:cNvPr id="5" name="Image 3" descr="Screenshot_20151121-173946.png"/>
+            <p:cNvPicPr>
+              <a:picLocks noChangeAspect="1"/>
+            </p:cNvPicPr>
+            <p:nvPr/>
+          </p:nvPicPr>
+          <p:blipFill>
+            <a:blip r:embed="rId2" cstate="print"/>
+            <a:stretch>
+              <a:fillRect/>
+            </a:stretch>
+          </p:blipFill>
+          <p:spPr>
+            <a:xfrm>
+              <a:off x="251520" y="2636912"/>
+              <a:ext cx="2025000" cy="3240000"/>
+            </a:xfrm>
+            <a:prstGeom prst="rect">
+              <a:avLst/>
+            </a:prstGeom>
+            <a:ln>
+              <a:solidFill>
+                <a:schemeClr val="tx1"/>
+              </a:solidFill>
+            </a:ln>
+          </p:spPr>
+        </p:pic>
+        <p:pic>
+          <p:nvPicPr>
+            <p:cNvPr id="6" name="Image 4" descr="Screenshot_20151121-174028.png"/>
+            <p:cNvPicPr>
+              <a:picLocks noChangeAspect="1"/>
+            </p:cNvPicPr>
+            <p:nvPr/>
+          </p:nvPicPr>
+          <p:blipFill>
+            <a:blip r:embed="rId3" cstate="print"/>
+            <a:stretch>
+              <a:fillRect/>
+            </a:stretch>
+          </p:blipFill>
+          <p:spPr>
+            <a:xfrm>
+              <a:off x="2459765" y="2636912"/>
+              <a:ext cx="2025000" cy="3240000"/>
+            </a:xfrm>
+            <a:prstGeom prst="rect">
+              <a:avLst/>
+            </a:prstGeom>
+            <a:ln>
+              <a:solidFill>
+                <a:schemeClr val="tx1"/>
+              </a:solidFill>
+            </a:ln>
+          </p:spPr>
+        </p:pic>
+        <p:pic>
+          <p:nvPicPr>
+            <p:cNvPr id="7" name="Image 5" descr="Screenshot_20151121-174034.png"/>
+            <p:cNvPicPr>
+              <a:picLocks noChangeAspect="1"/>
+            </p:cNvPicPr>
+            <p:nvPr/>
+          </p:nvPicPr>
+          <p:blipFill>
+            <a:blip r:embed="rId4" cstate="print"/>
+            <a:stretch>
+              <a:fillRect/>
+            </a:stretch>
+          </p:blipFill>
+          <p:spPr>
+            <a:xfrm>
+              <a:off x="4668010" y="2636912"/>
+              <a:ext cx="2025000" cy="3240000"/>
+            </a:xfrm>
+            <a:prstGeom prst="rect">
+              <a:avLst/>
+            </a:prstGeom>
+            <a:ln>
+              <a:solidFill>
+                <a:schemeClr val="tx1"/>
+              </a:solidFill>
+            </a:ln>
+          </p:spPr>
+        </p:pic>
+        <p:pic>
+          <p:nvPicPr>
+            <p:cNvPr id="8" name="Image 6" descr="Screenshot_20151121-174040.png"/>
+            <p:cNvPicPr>
+              <a:picLocks noChangeAspect="1"/>
+            </p:cNvPicPr>
+            <p:nvPr/>
+          </p:nvPicPr>
+          <p:blipFill>
+            <a:blip r:embed="rId5" cstate="print"/>
+            <a:stretch>
+              <a:fillRect/>
+            </a:stretch>
+          </p:blipFill>
+          <p:spPr>
+            <a:xfrm>
+              <a:off x="6876256" y="2636912"/>
+              <a:ext cx="2025000" cy="3240000"/>
+            </a:xfrm>
+            <a:prstGeom prst="rect">
+              <a:avLst/>
+            </a:prstGeom>
+            <a:ln>
+              <a:solidFill>
+                <a:schemeClr val="tx1"/>
+              </a:solidFill>
+            </a:ln>
+          </p:spPr>
+        </p:pic>
+      </p:grpSp>
+    </p:spTree>
+    <p:extLst>
+      <p:ext uri="{BB962C8B-B14F-4D97-AF65-F5344CB8AC3E}">
+        <p14:creationId xmlns:p14="http://schemas.microsoft.com/office/powerpoint/2010/main" val="1690824833"/>
+      </p:ext>
+    </p:extLst>
+  </p:cSld>
+  <p:clrMapOvr>
+    <a:masterClrMapping/>
+  </p:clrMapOvr>
+  <p:timing>
+    <p:tnLst>
+      <p:par>
+        <p:cTn id="1" dur="indefinite" restart="never" nodeType="tmRoot"/>
+      </p:par>
+    </p:tnLst>
+  </p:timing>
+</p:sld>
+</file>
+
+<file path=ppt/slides/slide11.xml><?xml version="1.0" encoding="utf-8"?>
+<p:sld xmlns:a="http://schemas.openxmlformats.org/drawingml/2006/main" xmlns:r="http://schemas.openxmlformats.org/officeDocument/2006/relationships" xmlns:p="http://schemas.openxmlformats.org/presentationml/2006/main">
+  <p:cSld>
+    <p:spTree>
+      <p:nvGrpSpPr>
+        <p:cNvPr id="1" name=""/>
+        <p:cNvGrpSpPr/>
+        <p:nvPr/>
+      </p:nvGrpSpPr>
+      <p:grpSpPr>
+        <a:xfrm>
+          <a:off x="0" y="0"/>
+          <a:ext cx="0" cy="0"/>
+          <a:chOff x="0" y="0"/>
+          <a:chExt cx="0" cy="0"/>
+        </a:xfrm>
+      </p:grpSpPr>
+      <p:sp>
+        <p:nvSpPr>
+          <p:cNvPr id="2" name="Title 1"/>
+          <p:cNvSpPr>
+            <a:spLocks noGrp="1"/>
+          </p:cNvSpPr>
+          <p:nvPr>
+            <p:ph type="title"/>
+          </p:nvPr>
+        </p:nvSpPr>
+        <p:spPr/>
+        <p:txBody>
+          <a:bodyPr/>
+          <a:lstStyle/>
+          <a:p>
+            <a:r>
+              <a:rPr lang="fr-FR" dirty="0" smtClean="0"/>
+              <a:t>Les contrôles</a:t>
+            </a:r>
+            <a:endParaRPr lang="fr-FR" dirty="0"/>
+          </a:p>
+        </p:txBody>
+      </p:sp>
+      <p:sp>
+        <p:nvSpPr>
+          <p:cNvPr id="3" name="Content Placeholder 2"/>
+          <p:cNvSpPr>
+            <a:spLocks noGrp="1"/>
+          </p:cNvSpPr>
+          <p:nvPr>
+            <p:ph sz="quarter" idx="13"/>
+          </p:nvPr>
+        </p:nvSpPr>
+        <p:spPr/>
+        <p:txBody>
+          <a:bodyPr/>
+          <a:lstStyle/>
+          <a:p>
+            <a:r>
+              <a:rPr lang="fr-FR" dirty="0"/>
+              <a:t>Avoir au moins 2 </a:t>
+            </a:r>
+            <a:r>
+              <a:rPr lang="fr-FR" dirty="0" smtClean="0"/>
+              <a:t>choix</a:t>
+            </a:r>
+            <a:endParaRPr lang="fr-FR" dirty="0"/>
+          </a:p>
+          <a:p>
+            <a:endParaRPr lang="fr-FR" dirty="0"/>
+          </a:p>
+        </p:txBody>
+      </p:sp>
+      <p:pic>
+        <p:nvPicPr>
+          <p:cNvPr id="7" name="Picture 6"/>
+          <p:cNvPicPr>
+            <a:picLocks noChangeAspect="1"/>
+          </p:cNvPicPr>
+          <p:nvPr/>
+        </p:nvPicPr>
+        <p:blipFill>
+          <a:blip r:embed="rId2" cstate="email">
+            <a:extLst>
+              <a:ext uri="{28A0092B-C50C-407E-A947-70E740481C1C}">
+                <a14:useLocalDpi xmlns:a14="http://schemas.microsoft.com/office/drawing/2010/main" val="0"/>
+              </a:ext>
+            </a:extLst>
+          </a:blip>
+          <a:stretch>
+            <a:fillRect/>
+          </a:stretch>
+        </p:blipFill>
+        <p:spPr>
+          <a:xfrm>
+            <a:off x="3233057" y="2142307"/>
+            <a:ext cx="2449286" cy="3918857"/>
+          </a:xfrm>
+          <a:prstGeom prst="rect">
+            <a:avLst/>
+          </a:prstGeom>
+        </p:spPr>
+      </p:pic>
+    </p:spTree>
+    <p:extLst>
+      <p:ext uri="{BB962C8B-B14F-4D97-AF65-F5344CB8AC3E}">
+        <p14:creationId xmlns:p14="http://schemas.microsoft.com/office/powerpoint/2010/main" val="188984090"/>
+      </p:ext>
+    </p:extLst>
+  </p:cSld>
+  <p:clrMapOvr>
+    <a:masterClrMapping/>
+  </p:clrMapOvr>
+  <p:timing>
+    <p:tnLst>
+      <p:par>
+        <p:cTn id="1" dur="indefinite" restart="never" nodeType="tmRoot"/>
+      </p:par>
+    </p:tnLst>
+  </p:timing>
+</p:sld>
+</file>
+
+<file path=ppt/slides/slide12.xml><?xml version="1.0" encoding="utf-8"?>
+<p:sld xmlns:a="http://schemas.openxmlformats.org/drawingml/2006/main" xmlns:r="http://schemas.openxmlformats.org/officeDocument/2006/relationships" xmlns:p="http://schemas.openxmlformats.org/presentationml/2006/main">
+  <p:cSld>
+    <p:spTree>
+      <p:nvGrpSpPr>
+        <p:cNvPr id="1" name=""/>
+        <p:cNvGrpSpPr/>
+        <p:nvPr/>
+      </p:nvGrpSpPr>
+      <p:grpSpPr>
+        <a:xfrm>
+          <a:off x="0" y="0"/>
+          <a:ext cx="0" cy="0"/>
+          <a:chOff x="0" y="0"/>
+          <a:chExt cx="0" cy="0"/>
+        </a:xfrm>
+      </p:grpSpPr>
+      <p:sp>
+        <p:nvSpPr>
+          <p:cNvPr id="2" name="Title 1"/>
+          <p:cNvSpPr>
+            <a:spLocks noGrp="1"/>
+          </p:cNvSpPr>
+          <p:nvPr>
+            <p:ph type="title"/>
+          </p:nvPr>
+        </p:nvSpPr>
+        <p:spPr/>
+        <p:txBody>
+          <a:bodyPr/>
+          <a:lstStyle/>
+          <a:p>
+            <a:r>
+              <a:rPr lang="fr-FR" dirty="0" smtClean="0"/>
+              <a:t>Les contrôles</a:t>
+            </a:r>
+            <a:endParaRPr lang="fr-FR" dirty="0"/>
+          </a:p>
+        </p:txBody>
+      </p:sp>
+      <p:sp>
+        <p:nvSpPr>
+          <p:cNvPr id="3" name="Content Placeholder 2"/>
+          <p:cNvSpPr>
+            <a:spLocks noGrp="1"/>
+          </p:cNvSpPr>
+          <p:nvPr>
+            <p:ph sz="quarter" idx="13"/>
+          </p:nvPr>
+        </p:nvSpPr>
+        <p:spPr/>
+        <p:txBody>
+          <a:bodyPr/>
+          <a:lstStyle/>
+          <a:p>
+            <a:r>
+              <a:rPr lang="fr-FR" dirty="0" smtClean="0"/>
+              <a:t>Impossible </a:t>
+            </a:r>
+            <a:r>
+              <a:rPr lang="fr-FR" dirty="0"/>
+              <a:t>de rentrer plusieurs fois le même choix (Pas de triche possible</a:t>
+            </a:r>
+            <a:r>
+              <a:rPr lang="fr-FR" dirty="0" smtClean="0"/>
+              <a:t>)</a:t>
+            </a:r>
+            <a:endParaRPr lang="fr-FR" dirty="0"/>
+          </a:p>
+          <a:p>
+            <a:r>
+              <a:rPr lang="fr-FR" dirty="0"/>
+              <a:t>Appliquer une certaine force pour déclencher la fonction </a:t>
+            </a:r>
+            <a:r>
+              <a:rPr lang="fr-FR" dirty="0" err="1"/>
+              <a:t>Random</a:t>
+            </a:r>
+            <a:endParaRPr lang="fr-FR" dirty="0"/>
+          </a:p>
+          <a:p>
+            <a:endParaRPr lang="fr-FR" dirty="0"/>
+          </a:p>
+        </p:txBody>
+      </p:sp>
+      <p:pic>
+        <p:nvPicPr>
+          <p:cNvPr id="4" name="Picture 3"/>
+          <p:cNvPicPr>
+            <a:picLocks noChangeAspect="1"/>
+          </p:cNvPicPr>
+          <p:nvPr/>
+        </p:nvPicPr>
+        <p:blipFill>
+          <a:blip r:embed="rId2" cstate="email">
+            <a:extLst>
+              <a:ext uri="{28A0092B-C50C-407E-A947-70E740481C1C}">
+                <a14:useLocalDpi xmlns:a14="http://schemas.microsoft.com/office/drawing/2010/main" val="0"/>
+              </a:ext>
+            </a:extLst>
+          </a:blip>
+          <a:stretch>
+            <a:fillRect/>
+          </a:stretch>
+        </p:blipFill>
+        <p:spPr>
+          <a:xfrm>
+            <a:off x="3173458" y="2538112"/>
+            <a:ext cx="2234565" cy="3575304"/>
+          </a:xfrm>
+          <a:prstGeom prst="rect">
+            <a:avLst/>
+          </a:prstGeom>
+        </p:spPr>
+      </p:pic>
+    </p:spTree>
+    <p:extLst>
+      <p:ext uri="{BB962C8B-B14F-4D97-AF65-F5344CB8AC3E}">
+        <p14:creationId xmlns:p14="http://schemas.microsoft.com/office/powerpoint/2010/main" val="3885933812"/>
+      </p:ext>
+    </p:extLst>
+  </p:cSld>
+  <p:clrMapOvr>
+    <a:masterClrMapping/>
+  </p:clrMapOvr>
+  <p:timing>
+    <p:tnLst>
+      <p:par>
+        <p:cTn id="1" dur="indefinite" restart="never" nodeType="tmRoot"/>
+      </p:par>
+    </p:tnLst>
+  </p:timing>
+</p:sld>
+</file>
+
+<file path=ppt/slides/slide13.xml><?xml version="1.0" encoding="utf-8"?>
+<p:sld xmlns:a="http://schemas.openxmlformats.org/drawingml/2006/main" xmlns:r="http://schemas.openxmlformats.org/officeDocument/2006/relationships" xmlns:p="http://schemas.openxmlformats.org/presentationml/2006/main">
+  <p:cSld>
+    <p:spTree>
+      <p:nvGrpSpPr>
+        <p:cNvPr id="1" name=""/>
+        <p:cNvGrpSpPr/>
+        <p:nvPr/>
+      </p:nvGrpSpPr>
+      <p:grpSpPr>
+        <a:xfrm>
+          <a:off x="0" y="0"/>
+          <a:ext cx="0" cy="0"/>
+          <a:chOff x="0" y="0"/>
+          <a:chExt cx="0" cy="0"/>
+        </a:xfrm>
+      </p:grpSpPr>
+      <p:sp>
+        <p:nvSpPr>
+          <p:cNvPr id="2" name="Title 1"/>
+          <p:cNvSpPr>
+            <a:spLocks noGrp="1"/>
+          </p:cNvSpPr>
+          <p:nvPr>
+            <p:ph type="title"/>
+          </p:nvPr>
+        </p:nvSpPr>
+        <p:spPr/>
+        <p:txBody>
+          <a:bodyPr/>
+          <a:lstStyle/>
+          <a:p>
+            <a:r>
+              <a:rPr lang="fr-FR" dirty="0" smtClean="0"/>
+              <a:t>Licence GPLv</a:t>
+            </a:r>
+            <a:r>
+              <a:rPr lang="fr-FR" dirty="0"/>
+              <a:t>3</a:t>
+            </a:r>
+          </a:p>
+        </p:txBody>
+      </p:sp>
+      <p:sp>
+        <p:nvSpPr>
+          <p:cNvPr id="3" name="Content Placeholder 2"/>
+          <p:cNvSpPr>
+            <a:spLocks noGrp="1"/>
+          </p:cNvSpPr>
+          <p:nvPr>
+            <p:ph sz="quarter" idx="13"/>
+          </p:nvPr>
+        </p:nvSpPr>
+        <p:spPr/>
+        <p:txBody>
+          <a:bodyPr/>
+          <a:lstStyle/>
+          <a:p>
+            <a:r>
+              <a:rPr lang="fr-FR" dirty="0"/>
+              <a:t>Personne ne doit être limité par les logiciels qu'il utilise. Il y a quatre libertés que tout utilisateur doit posséder :</a:t>
+            </a:r>
+          </a:p>
+          <a:p>
+            <a:pPr lvl="1"/>
+            <a:r>
+              <a:rPr lang="fr-FR" dirty="0"/>
+              <a:t>la liberté d'utiliser le logiciel à n'importe quelle fin,</a:t>
+            </a:r>
+          </a:p>
+          <a:p>
+            <a:pPr lvl="1"/>
+            <a:r>
+              <a:rPr lang="fr-FR" dirty="0"/>
+              <a:t>la liberté de modifier le programme pour répondre à ses besoins,</a:t>
+            </a:r>
+          </a:p>
+          <a:p>
+            <a:pPr lvl="1"/>
+            <a:r>
+              <a:rPr lang="fr-FR" dirty="0"/>
+              <a:t>la liberté de redistribuer des copies à ses amis et voisins,</a:t>
+            </a:r>
+          </a:p>
+          <a:p>
+            <a:pPr lvl="1"/>
+            <a:r>
+              <a:rPr lang="fr-FR" dirty="0"/>
+              <a:t>la liberté de partager avec d'autres les modifications qu'il a faites.</a:t>
+            </a:r>
+          </a:p>
+          <a:p>
+            <a:endParaRPr lang="fr-FR" dirty="0"/>
+          </a:p>
+        </p:txBody>
+      </p:sp>
+      <p:pic>
+        <p:nvPicPr>
+          <p:cNvPr id="1030" name="Picture 6" descr="https://upload.wikimedia.org/wikipedia/commons/thumb/9/93/GPLv3_Logo.svg/200px-GPLv3_Logo.svg.png"/>
+          <p:cNvPicPr>
+            <a:picLocks noChangeAspect="1" noChangeArrowheads="1"/>
+          </p:cNvPicPr>
+          <p:nvPr/>
+        </p:nvPicPr>
+        <p:blipFill>
+          <a:blip r:embed="rId2">
+            <a:extLst>
+              <a:ext uri="{28A0092B-C50C-407E-A947-70E740481C1C}">
+                <a14:useLocalDpi xmlns:a14="http://schemas.microsoft.com/office/drawing/2010/main" val="0"/>
+              </a:ext>
+            </a:extLst>
+          </a:blip>
+          <a:srcRect/>
+          <a:stretch>
+            <a:fillRect/>
+          </a:stretch>
+        </p:blipFill>
+        <p:spPr bwMode="auto">
+          <a:xfrm>
+            <a:off x="5472546" y="4253498"/>
+            <a:ext cx="3321338" cy="1644064"/>
+          </a:xfrm>
+          <a:prstGeom prst="rect">
+            <a:avLst/>
+          </a:prstGeom>
+          <a:noFill/>
+          <a:extLst>
+            <a:ext uri="{909E8E84-426E-40DD-AFC4-6F175D3DCCD1}">
+              <a14:hiddenFill xmlns:a14="http://schemas.microsoft.com/office/drawing/2010/main">
+                <a:solidFill>
+                  <a:srgbClr val="FFFFFF"/>
+                </a:solidFill>
+              </a14:hiddenFill>
+            </a:ext>
+          </a:extLst>
+        </p:spPr>
+      </p:pic>
+    </p:spTree>
+    <p:extLst>
+      <p:ext uri="{BB962C8B-B14F-4D97-AF65-F5344CB8AC3E}">
+        <p14:creationId xmlns:p14="http://schemas.microsoft.com/office/powerpoint/2010/main" val="4158364366"/>
+      </p:ext>
+    </p:extLst>
+  </p:cSld>
+  <p:clrMapOvr>
+    <a:masterClrMapping/>
+  </p:clrMapOvr>
+  <p:timing>
+    <p:tnLst>
+      <p:par>
+        <p:cTn id="1" dur="indefinite" restart="never" nodeType="tmRoot"/>
+      </p:par>
+    </p:tnLst>
+  </p:timing>
+</p:sld>
+</file>
+
+<file path=ppt/slides/slide14.xml><?xml version="1.0" encoding="utf-8"?>
+<p:sld xmlns:a="http://schemas.openxmlformats.org/drawingml/2006/main" xmlns:r="http://schemas.openxmlformats.org/officeDocument/2006/relationships" xmlns:p="http://schemas.openxmlformats.org/presentationml/2006/main">
+  <p:cSld>
+    <p:spTree>
+      <p:nvGrpSpPr>
+        <p:cNvPr id="1" name=""/>
+        <p:cNvGrpSpPr/>
+        <p:nvPr/>
+      </p:nvGrpSpPr>
+      <p:grpSpPr>
+        <a:xfrm>
+          <a:off x="0" y="0"/>
+          <a:ext cx="0" cy="0"/>
+          <a:chOff x="0" y="0"/>
+          <a:chExt cx="0" cy="0"/>
+        </a:xfrm>
+      </p:grpSpPr>
+      <p:sp>
+        <p:nvSpPr>
+          <p:cNvPr id="4" name="Title 3"/>
+          <p:cNvSpPr>
+            <a:spLocks noGrp="1"/>
+          </p:cNvSpPr>
+          <p:nvPr>
+            <p:ph type="title"/>
+          </p:nvPr>
+        </p:nvSpPr>
+        <p:spPr/>
+        <p:txBody>
+          <a:bodyPr/>
+          <a:lstStyle/>
+          <a:p>
+            <a:r>
+              <a:rPr lang="fr-FR" dirty="0" smtClean="0"/>
+              <a:t>Analyse marketing</a:t>
+            </a:r>
+            <a:br>
+              <a:rPr lang="fr-FR" dirty="0" smtClean="0"/>
+            </a:br>
+            <a:r>
+              <a:rPr lang="fr-FR" dirty="0" smtClean="0"/>
+              <a:t>Modèle économique</a:t>
+            </a:r>
+            <a:br>
+              <a:rPr lang="fr-FR" dirty="0" smtClean="0"/>
+            </a:br>
+            <a:endParaRPr lang="fr-FR" dirty="0"/>
+          </a:p>
+        </p:txBody>
+      </p:sp>
+      <p:sp>
+        <p:nvSpPr>
+          <p:cNvPr id="5" name="Text Placeholder 4"/>
+          <p:cNvSpPr>
+            <a:spLocks noGrp="1"/>
+          </p:cNvSpPr>
+          <p:nvPr>
+            <p:ph type="body" idx="1"/>
+          </p:nvPr>
+        </p:nvSpPr>
+        <p:spPr/>
+        <p:txBody>
+          <a:bodyPr/>
+          <a:lstStyle/>
+          <a:p>
+            <a:endParaRPr lang="fr-FR" dirty="0" smtClean="0"/>
+          </a:p>
+          <a:p>
+            <a:endParaRPr lang="fr-FR" dirty="0"/>
+          </a:p>
+        </p:txBody>
+      </p:sp>
+      <p:pic>
+        <p:nvPicPr>
+          <p:cNvPr id="6" name="Image 5" descr="eze2chooz_logo.png"/>
+          <p:cNvPicPr>
+            <a:picLocks noChangeAspect="1"/>
+          </p:cNvPicPr>
+          <p:nvPr/>
+        </p:nvPicPr>
+        <p:blipFill>
+          <a:blip r:embed="rId2" cstate="email">
+            <a:extLst>
+              <a:ext uri="{28A0092B-C50C-407E-A947-70E740481C1C}">
+                <a14:useLocalDpi xmlns:a14="http://schemas.microsoft.com/office/drawing/2010/main" val="0"/>
+              </a:ext>
+            </a:extLst>
+          </a:blip>
+          <a:stretch>
+            <a:fillRect/>
+          </a:stretch>
+        </p:blipFill>
+        <p:spPr>
+          <a:xfrm rot="1524188">
+            <a:off x="2546869" y="813847"/>
+            <a:ext cx="2568699" cy="2572829"/>
+          </a:xfrm>
+          <a:prstGeom prst="rect">
+            <a:avLst/>
+          </a:prstGeom>
+        </p:spPr>
+      </p:pic>
+      <p:pic>
+        <p:nvPicPr>
+          <p:cNvPr id="1026" name="Picture 2" descr="See original image"/>
+          <p:cNvPicPr>
+            <a:picLocks noChangeAspect="1" noChangeArrowheads="1"/>
+          </p:cNvPicPr>
+          <p:nvPr/>
+        </p:nvPicPr>
+        <p:blipFill>
+          <a:blip r:embed="rId3" cstate="email">
+            <a:extLst>
+              <a:ext uri="{28A0092B-C50C-407E-A947-70E740481C1C}">
+                <a14:useLocalDpi xmlns:a14="http://schemas.microsoft.com/office/drawing/2010/main" val="0"/>
+              </a:ext>
+            </a:extLst>
+          </a:blip>
+          <a:srcRect/>
+          <a:stretch>
+            <a:fillRect/>
+          </a:stretch>
+        </p:blipFill>
+        <p:spPr bwMode="auto">
+          <a:xfrm>
+            <a:off x="4552156" y="2529729"/>
+            <a:ext cx="4404381" cy="3080406"/>
+          </a:xfrm>
+          <a:prstGeom prst="ellipse">
+            <a:avLst/>
+          </a:prstGeom>
+          <a:ln>
+            <a:noFill/>
+          </a:ln>
+          <a:effectLst>
+            <a:softEdge rad="112500"/>
+          </a:effectLst>
+          <a:extLst>
+            <a:ext uri="{909E8E84-426E-40DD-AFC4-6F175D3DCCD1}">
+              <a14:hiddenFill xmlns:a14="http://schemas.microsoft.com/office/drawing/2010/main">
+                <a:solidFill>
+                  <a:srgbClr val="FFFFFF"/>
+                </a:solidFill>
+              </a14:hiddenFill>
+            </a:ext>
+          </a:extLst>
+        </p:spPr>
+      </p:pic>
+    </p:spTree>
+    <p:extLst>
+      <p:ext uri="{BB962C8B-B14F-4D97-AF65-F5344CB8AC3E}">
+        <p14:creationId xmlns:p14="http://schemas.microsoft.com/office/powerpoint/2010/main" val="2426198664"/>
+      </p:ext>
+    </p:extLst>
+  </p:cSld>
+  <p:clrMapOvr>
+    <a:masterClrMapping/>
+  </p:clrMapOvr>
+  <p:timing>
+    <p:tnLst>
+      <p:par>
+        <p:cTn id="1" dur="indefinite" restart="never" nodeType="tmRoot"/>
+      </p:par>
+    </p:tnLst>
+  </p:timing>
+</p:sld>
+</file>
+
+<file path=ppt/slides/slide15.xml><?xml version="1.0" encoding="utf-8"?>
+<p:sld xmlns:a="http://schemas.openxmlformats.org/drawingml/2006/main" xmlns:r="http://schemas.openxmlformats.org/officeDocument/2006/relationships" xmlns:p="http://schemas.openxmlformats.org/presentationml/2006/main">
+  <p:cSld>
+    <p:spTree>
+      <p:nvGrpSpPr>
+        <p:cNvPr id="1" name=""/>
+        <p:cNvGrpSpPr/>
+        <p:nvPr/>
+      </p:nvGrpSpPr>
+      <p:grpSpPr>
+        <a:xfrm>
+          <a:off x="0" y="0"/>
+          <a:ext cx="0" cy="0"/>
+          <a:chOff x="0" y="0"/>
+          <a:chExt cx="0" cy="0"/>
+        </a:xfrm>
+      </p:grpSpPr>
+      <p:sp>
+        <p:nvSpPr>
+          <p:cNvPr id="2" name="Title 1"/>
+          <p:cNvSpPr>
+            <a:spLocks noGrp="1"/>
+          </p:cNvSpPr>
+          <p:nvPr>
+            <p:ph type="title"/>
+          </p:nvPr>
+        </p:nvSpPr>
+        <p:spPr/>
+        <p:txBody>
+          <a:bodyPr/>
+          <a:lstStyle/>
+          <a:p>
+            <a:r>
+              <a:rPr lang="fr-FR" dirty="0" smtClean="0"/>
               <a:t>Analyse marketing (SWOT)</a:t>
             </a:r>
             <a:endParaRPr lang="fr-FR" dirty="0"/>
@@ -4156,12 +4961,16 @@
           </p:cNvGraphicFramePr>
           <p:nvPr>
             <p:ph idx="4294967295"/>
-            <p:extLst/>
+            <p:extLst>
+              <p:ext uri="{D42A27DB-BD31-4B8C-83A1-F6EECF244321}">
+                <p14:modId xmlns:p14="http://schemas.microsoft.com/office/powerpoint/2010/main" val="3638495257"/>
+              </p:ext>
+            </p:extLst>
           </p:nvPr>
         </p:nvGraphicFramePr>
         <p:xfrm>
-          <a:off x="628650" y="2226468"/>
-          <a:ext cx="7886700" cy="2751657"/>
+          <a:off x="386443" y="1638639"/>
+          <a:ext cx="8378733" cy="5080860"/>
         </p:xfrm>
         <a:graphic>
           <a:graphicData uri="http://schemas.openxmlformats.org/drawingml/2006/table">
@@ -4170,21 +4979,21 @@
                 <a:tableStyleId>{5C22544A-7EE6-4342-B048-85BDC9FD1C3A}</a:tableStyleId>
               </a:tblPr>
               <a:tblGrid>
-                <a:gridCol w="2628900">
+                <a:gridCol w="2792911">
                   <a:extLst>
                     <a:ext uri="{9D8B030D-6E8A-4147-A177-3AD203B41FA5}">
                       <a16:colId xmlns:a16="http://schemas.microsoft.com/office/drawing/2014/main" val="3519476590"/>
                     </a:ext>
                   </a:extLst>
                 </a:gridCol>
-                <a:gridCol w="2628900">
+                <a:gridCol w="2792911">
                   <a:extLst>
                     <a:ext uri="{9D8B030D-6E8A-4147-A177-3AD203B41FA5}">
                       <a16:colId xmlns:a16="http://schemas.microsoft.com/office/drawing/2014/main" val="1590275444"/>
                     </a:ext>
                   </a:extLst>
                 </a:gridCol>
-                <a:gridCol w="2628900">
+                <a:gridCol w="2792911">
                   <a:extLst>
                     <a:ext uri="{9D8B030D-6E8A-4147-A177-3AD203B41FA5}">
                       <a16:colId xmlns:a16="http://schemas.microsoft.com/office/drawing/2014/main" val="2326763998"/>
@@ -4192,7 +5001,7 @@
                   </a:extLst>
                 </a:gridCol>
               </a:tblGrid>
-              <a:tr h="448153">
+              <a:tr h="483479">
                 <a:tc>
                   <a:txBody>
                     <a:bodyPr/>
@@ -4241,16 +5050,91 @@
                   </a:ext>
                 </a:extLst>
               </a:tr>
-              <a:tr h="767834">
+              <a:tr h="994700">
                 <a:tc>
                   <a:txBody>
                     <a:bodyPr/>
                     <a:lstStyle/>
                     <a:p>
                       <a:r>
+                        <a:rPr lang="fr-FR" sz="1400" b="1" dirty="0" smtClean="0"/>
+                        <a:t>Les forces</a:t>
+                      </a:r>
+                      <a:r>
+                        <a:rPr lang="fr-FR" sz="1400" b="1" dirty="0" smtClean="0"/>
+                        <a:t>:</a:t>
+                      </a:r>
+                    </a:p>
+                    <a:p>
+                      <a:pPr marL="285750" indent="-285750">
+                        <a:buFont typeface="Arial" panose="020B0604020202020204" pitchFamily="34" charset="0"/>
+                        <a:buChar char="•"/>
+                      </a:pPr>
+                      <a:r>
                         <a:rPr lang="fr-FR" sz="1400" dirty="0" smtClean="0"/>
-                        <a:t>Les forces:</a:t>
+                        <a:t>Simplicité d’utilisation</a:t>
                       </a:r>
+                    </a:p>
+                    <a:p>
+                      <a:pPr marL="285750" indent="-285750">
+                        <a:buFont typeface="Arial" panose="020B0604020202020204" pitchFamily="34" charset="0"/>
+                        <a:buChar char="•"/>
+                      </a:pPr>
+                      <a:r>
+                        <a:rPr lang="fr-FR" sz="1400" dirty="0" smtClean="0"/>
+                        <a:t>Rapide</a:t>
+                      </a:r>
+                    </a:p>
+                    <a:p>
+                      <a:pPr marL="285750" indent="-285750">
+                        <a:buFont typeface="Arial" panose="020B0604020202020204" pitchFamily="34" charset="0"/>
+                        <a:buChar char="•"/>
+                      </a:pPr>
+                      <a:r>
+                        <a:rPr lang="fr-FR" sz="1400" dirty="0" smtClean="0"/>
+                        <a:t>Aspect réalité augmenté</a:t>
+                      </a:r>
+                      <a:endParaRPr lang="fr-FR" sz="1400" dirty="0"/>
+                    </a:p>
+                    <a:p>
+                      <a:endParaRPr lang="fr-FR" sz="1400" dirty="0" smtClean="0"/>
+                    </a:p>
+                  </a:txBody>
+                  <a:tcPr marL="68580" marR="68580" marT="34290" marB="34290"/>
+                </a:tc>
+                <a:tc>
+                  <a:txBody>
+                    <a:bodyPr/>
+                    <a:lstStyle/>
+                    <a:p>
+                      <a:r>
+                        <a:rPr lang="fr-FR" sz="1400" b="1" dirty="0" smtClean="0"/>
+                        <a:t>Les opportunités</a:t>
+                      </a:r>
+                      <a:r>
+                        <a:rPr lang="fr-FR" sz="1400" b="1" dirty="0" smtClean="0"/>
+                        <a:t>:</a:t>
+                      </a:r>
+                    </a:p>
+                    <a:p>
+                      <a:pPr marL="285750" indent="-285750">
+                        <a:buFont typeface="Arial" panose="020B0604020202020204" pitchFamily="34" charset="0"/>
+                        <a:buChar char="•"/>
+                      </a:pPr>
+                      <a:r>
+                        <a:rPr lang="fr-FR" sz="1400" dirty="0" smtClean="0"/>
+                        <a:t>Le</a:t>
+                      </a:r>
+                      <a:r>
+                        <a:rPr lang="fr-FR" sz="1400" baseline="0" dirty="0" smtClean="0"/>
+                        <a:t> public ne s’est plus ce qu’il veut</a:t>
+                      </a:r>
+                    </a:p>
+                    <a:p>
+                      <a:pPr marL="285750" indent="-285750">
+                        <a:buFont typeface="Arial" panose="020B0604020202020204" pitchFamily="34" charset="0"/>
+                        <a:buChar char="•"/>
+                      </a:pPr>
                       <a:endParaRPr lang="fr-FR" sz="1400" dirty="0"/>
                     </a:p>
                   </a:txBody>
@@ -4262,24 +5146,19 @@
                     <a:lstStyle/>
                     <a:p>
                       <a:r>
-                        <a:rPr lang="fr-FR" sz="1400" dirty="0" smtClean="0"/>
-                        <a:t>Les opportunités:</a:t>
+                        <a:rPr lang="fr-FR" sz="1400" b="1" dirty="0" smtClean="0"/>
+                        <a:t>Notre AC</a:t>
                       </a:r>
-                      <a:endParaRPr lang="fr-FR" sz="1400" dirty="0"/>
+                      <a:r>
+                        <a:rPr lang="fr-FR" sz="1400" b="1" dirty="0" smtClean="0"/>
+                        <a:t>:</a:t>
+                      </a:r>
                     </a:p>
-                  </a:txBody>
-                  <a:tcPr marL="68580" marR="68580" marT="34290" marB="34290"/>
-                </a:tc>
-                <a:tc>
-                  <a:txBody>
-                    <a:bodyPr/>
-                    <a:lstStyle/>
                     <a:p>
-                      <a:r>
-                        <a:rPr lang="fr-FR" sz="1400" dirty="0" smtClean="0"/>
-                        <a:t>Notre AC:</a:t>
-                      </a:r>
-                      <a:endParaRPr lang="fr-FR" sz="1400" dirty="0"/>
+                      <a:endParaRPr lang="fr-FR" sz="1400" b="0" dirty="0" smtClean="0"/>
+                    </a:p>
+                    <a:p>
+                      <a:endParaRPr lang="fr-FR" sz="1400" b="1" dirty="0"/>
                     </a:p>
                   </a:txBody>
                   <a:tcPr marL="68580" marR="68580" marT="34290" marB="34290"/>
@@ -4290,15 +5169,53 @@
                   </a:ext>
                 </a:extLst>
               </a:tr>
-              <a:tr h="383918">
+              <a:tr h="764521">
                 <a:tc rowSpan="2">
                   <a:txBody>
                     <a:bodyPr/>
                     <a:lstStyle/>
                     <a:p>
                       <a:r>
+                        <a:rPr lang="fr-FR" sz="1400" b="1" dirty="0" smtClean="0"/>
+                        <a:t>Les faiblesses</a:t>
+                      </a:r>
+                      <a:r>
+                        <a:rPr lang="fr-FR" sz="1400" b="1" dirty="0" smtClean="0"/>
+                        <a:t>:</a:t>
+                      </a:r>
+                    </a:p>
+                    <a:p>
+                      <a:pPr marL="285750" indent="-285750">
+                        <a:buFont typeface="Arial" panose="020B0604020202020204" pitchFamily="34" charset="0"/>
+                        <a:buChar char="•"/>
+                      </a:pPr>
+                      <a:r>
                         <a:rPr lang="fr-FR" sz="1400" dirty="0" smtClean="0"/>
-                        <a:t>Les faiblesses:</a:t>
+                        <a:t>Concurrence</a:t>
+                      </a:r>
+                      <a:r>
+                        <a:rPr lang="fr-FR" sz="1400" baseline="0" dirty="0" smtClean="0"/>
+                        <a:t> présente</a:t>
+                      </a:r>
+                    </a:p>
+                    <a:p>
+                      <a:pPr marL="285750" indent="-285750">
+                        <a:buFont typeface="Arial" panose="020B0604020202020204" pitchFamily="34" charset="0"/>
+                        <a:buChar char="•"/>
+                      </a:pPr>
+                      <a:r>
+                        <a:rPr lang="fr-FR" sz="1400" baseline="0" dirty="0" smtClean="0"/>
+                        <a:t>Aspect esthétique</a:t>
+                      </a:r>
+                    </a:p>
+                    <a:p>
+                      <a:pPr marL="285750" indent="-285750">
+                        <a:buFont typeface="Arial" panose="020B0604020202020204" pitchFamily="34" charset="0"/>
+                        <a:buChar char="•"/>
+                      </a:pPr>
+                      <a:r>
+                        <a:rPr lang="fr-FR" sz="1400" baseline="0" dirty="0" smtClean="0"/>
+                        <a:t>Manque de personnalisation en fonction de l’utilisateur </a:t>
                       </a:r>
                       <a:endParaRPr lang="fr-FR" sz="1400" dirty="0"/>
                     </a:p>
@@ -4311,9 +5228,50 @@
                     <a:lstStyle/>
                     <a:p>
                       <a:r>
+                        <a:rPr lang="fr-FR" sz="1400" b="1" dirty="0" smtClean="0"/>
+                        <a:t>Les menaces</a:t>
+                      </a:r>
+                      <a:r>
+                        <a:rPr lang="fr-FR" sz="1400" b="1" dirty="0" smtClean="0"/>
+                        <a:t>:</a:t>
+                      </a:r>
+                    </a:p>
+                    <a:p>
+                      <a:pPr marL="285750" indent="-285750">
+                        <a:buFont typeface="Arial" panose="020B0604020202020204" pitchFamily="34" charset="0"/>
+                        <a:buChar char="•"/>
+                      </a:pPr>
+                      <a:r>
                         <a:rPr lang="fr-FR" sz="1400" dirty="0" smtClean="0"/>
-                        <a:t>Les menaces:</a:t>
+                        <a:t>Application</a:t>
                       </a:r>
+                      <a:r>
+                        <a:rPr lang="fr-FR" sz="1400" baseline="0" dirty="0" smtClean="0"/>
+                        <a:t> prises à la légère</a:t>
+                      </a:r>
+                    </a:p>
+                    <a:p>
+                      <a:pPr marL="285750" indent="-285750">
+                        <a:buFont typeface="Arial" panose="020B0604020202020204" pitchFamily="34" charset="0"/>
+                        <a:buChar char="•"/>
+                      </a:pPr>
+                      <a:r>
+                        <a:rPr lang="fr-FR" sz="1400" baseline="0" dirty="0" smtClean="0"/>
+                        <a:t>Pas sérieux</a:t>
+                      </a:r>
+                    </a:p>
+                    <a:p>
+                      <a:pPr marL="285750" indent="-285750">
+                        <a:buFont typeface="Arial" panose="020B0604020202020204" pitchFamily="34" charset="0"/>
+                        <a:buChar char="•"/>
+                      </a:pPr>
+                      <a:r>
+                        <a:rPr lang="fr-FR" sz="1400" baseline="0" dirty="0" smtClean="0"/>
+                        <a:t>Trop de hasard</a:t>
+                      </a:r>
+                      <a:endParaRPr lang="fr-FR" sz="1400" dirty="0" smtClean="0"/>
+                    </a:p>
+                    <a:p>
                       <a:endParaRPr lang="fr-FR" sz="1400" dirty="0"/>
                     </a:p>
                   </a:txBody>
@@ -4325,10 +5283,20 @@
                     <a:lstStyle/>
                     <a:p>
                       <a:r>
-                        <a:rPr lang="fr-FR" sz="1400" dirty="0" smtClean="0"/>
-                        <a:t>Nos grands objectifs</a:t>
+                        <a:rPr lang="fr-FR" sz="1400" b="1" dirty="0" smtClean="0"/>
+                        <a:t>Nos grands objectifs:</a:t>
                       </a:r>
-                      <a:endParaRPr lang="fr-FR" sz="1400" dirty="0"/>
+                    </a:p>
+                    <a:p>
+                      <a:r>
+                        <a:rPr lang="fr-FR" sz="1400" b="0" dirty="0" smtClean="0"/>
+                        <a:t>Diffuser</a:t>
+                      </a:r>
+                      <a:r>
+                        <a:rPr lang="fr-FR" sz="1400" b="0" baseline="0" dirty="0" smtClean="0"/>
+                        <a:t> l’application auprès de 100 000 utilisateurs en 1 an</a:t>
+                      </a:r>
+                      <a:endParaRPr lang="fr-FR" sz="1400" b="0" dirty="0"/>
                     </a:p>
                   </a:txBody>
                   <a:tcPr marL="68580" marR="68580" marT="34290" marB="34290"/>
@@ -4339,7 +5307,7 @@
                   </a:ext>
                 </a:extLst>
               </a:tr>
-              <a:tr h="383918">
+              <a:tr h="460357">
                 <a:tc vMerge="1">
                   <a:txBody>
                     <a:bodyPr/>
@@ -4366,10 +5334,24 @@
                     <a:lstStyle/>
                     <a:p>
                       <a:r>
-                        <a:rPr lang="fr-FR" sz="1400" dirty="0" smtClean="0"/>
-                        <a:t>Notre positionnement marché</a:t>
+                        <a:rPr lang="fr-FR" sz="1400" b="1" dirty="0" smtClean="0"/>
+                        <a:t>Notre positionnement </a:t>
                       </a:r>
-                      <a:endParaRPr lang="fr-FR" sz="1400" dirty="0"/>
+                      <a:r>
+                        <a:rPr lang="fr-FR" sz="1400" b="1" dirty="0" smtClean="0"/>
+                        <a:t>marché:</a:t>
+                      </a:r>
+                    </a:p>
+                    <a:p>
+                      <a:r>
+                        <a:rPr lang="fr-FR" sz="1400" b="0" dirty="0" smtClean="0"/>
+                        <a:t>Les</a:t>
+                      </a:r>
+                      <a:r>
+                        <a:rPr lang="fr-FR" sz="1400" b="0" baseline="0" dirty="0" smtClean="0"/>
+                        <a:t> utilisateurs de support Android de 12-35 ans</a:t>
+                      </a:r>
+                      <a:endParaRPr lang="fr-FR" sz="1400" b="0" dirty="0"/>
                     </a:p>
                   </a:txBody>
                   <a:tcPr marL="68580" marR="68580" marT="34290" marB="34290"/>
@@ -4380,15 +5362,50 @@
                   </a:ext>
                 </a:extLst>
               </a:tr>
-              <a:tr h="767834">
+              <a:tr h="1915413">
                 <a:tc>
                   <a:txBody>
                     <a:bodyPr/>
                     <a:lstStyle/>
                     <a:p>
                       <a:r>
+                        <a:rPr lang="fr-FR" sz="1400" b="1" dirty="0" smtClean="0"/>
+                        <a:t>Les stratégies faisables</a:t>
+                      </a:r>
+                      <a:r>
+                        <a:rPr lang="fr-FR" sz="1400" b="1" dirty="0" smtClean="0"/>
+                        <a:t>:</a:t>
+                      </a:r>
+                    </a:p>
+                    <a:p>
+                      <a:endParaRPr lang="fr-FR" sz="1400" dirty="0" smtClean="0"/>
+                    </a:p>
+                    <a:p>
+                      <a:pPr marL="285750" indent="-285750">
+                        <a:buFont typeface="Arial" panose="020B0604020202020204" pitchFamily="34" charset="0"/>
+                        <a:buChar char="•"/>
+                      </a:pPr>
+                      <a:r>
                         <a:rPr lang="fr-FR" sz="1400" dirty="0" smtClean="0"/>
-                        <a:t>Les stratégies faisables:</a:t>
+                        <a:t>Envoyer</a:t>
+                      </a:r>
+                      <a:r>
+                        <a:rPr lang="fr-FR" sz="1400" baseline="0" dirty="0" smtClean="0"/>
+                        <a:t> des requêtes vers un moteur de recherche en fonction des choix</a:t>
+                      </a:r>
+                    </a:p>
+                    <a:p>
+                      <a:pPr marL="285750" indent="-285750">
+                        <a:buFont typeface="Arial" panose="020B0604020202020204" pitchFamily="34" charset="0"/>
+                        <a:buChar char="•"/>
+                      </a:pPr>
+                      <a:r>
+                        <a:rPr lang="fr-FR" sz="1400" baseline="0" dirty="0" smtClean="0"/>
+                        <a:t>Tronquer le résultat à partir des informations tiré du compte </a:t>
+                      </a:r>
+                      <a:r>
+                        <a:rPr lang="fr-FR" sz="1400" baseline="0" dirty="0" err="1" smtClean="0"/>
+                        <a:t>google</a:t>
                       </a:r>
                       <a:endParaRPr lang="fr-FR" sz="1400" dirty="0"/>
                     </a:p>
@@ -4418,7 +5435,7 @@
                         <a:defRPr/>
                       </a:pPr>
                       <a:r>
-                        <a:rPr lang="fr-FR" altLang="fr-FR" sz="1400" kern="1200" dirty="0" smtClean="0">
+                        <a:rPr lang="fr-FR" altLang="fr-FR" sz="1400" b="1" kern="1200" dirty="0" smtClean="0">
                           <a:solidFill>
                             <a:schemeClr val="dk1"/>
                           </a:solidFill>
@@ -4430,6 +5447,49 @@
                         <a:t>Les</a:t>
                       </a:r>
                       <a:r>
+                        <a:rPr lang="fr-FR" altLang="fr-FR" sz="1400" b="1" kern="1200" baseline="0" dirty="0" smtClean="0">
+                          <a:solidFill>
+                            <a:schemeClr val="dk1"/>
+                          </a:solidFill>
+                          <a:latin typeface="+mn-lt"/>
+                          <a:ea typeface="+mn-ea"/>
+                          <a:cs typeface="+mn-cs"/>
+                          <a:sym typeface="Lucida Grande" pitchFamily="-84" charset="0"/>
+                        </a:rPr>
+                        <a:t> stratégies souhaitables</a:t>
+                      </a:r>
+                      <a:r>
+                        <a:rPr lang="fr-FR" altLang="fr-FR" sz="1400" b="1" kern="1200" baseline="0" dirty="0" smtClean="0">
+                          <a:solidFill>
+                            <a:schemeClr val="dk1"/>
+                          </a:solidFill>
+                          <a:latin typeface="+mn-lt"/>
+                          <a:ea typeface="+mn-ea"/>
+                          <a:cs typeface="+mn-cs"/>
+                          <a:sym typeface="Lucida Grande" pitchFamily="-84" charset="0"/>
+                        </a:rPr>
+                        <a:t>:</a:t>
+                      </a:r>
+                    </a:p>
+                    <a:p>
+                      <a:pPr marL="285750" marR="0" lvl="0" indent="-285750" algn="l" defTabSz="914400" rtl="0" eaLnBrk="1" fontAlgn="auto" latinLnBrk="0" hangingPunct="1">
+                        <a:lnSpc>
+                          <a:spcPct val="100000"/>
+                        </a:lnSpc>
+                        <a:spcBef>
+                          <a:spcPts val="0"/>
+                        </a:spcBef>
+                        <a:spcAft>
+                          <a:spcPts val="0"/>
+                        </a:spcAft>
+                        <a:buClrTx/>
+                        <a:buSzTx/>
+                        <a:buFont typeface="Arial" panose="020B0604020202020204" pitchFamily="34" charset="0"/>
+                        <a:buChar char="•"/>
+                        <a:tabLst/>
+                        <a:defRPr/>
+                      </a:pPr>
+                      <a:r>
                         <a:rPr lang="fr-FR" altLang="fr-FR" sz="1400" kern="1200" baseline="0" dirty="0" smtClean="0">
                           <a:solidFill>
                             <a:schemeClr val="dk1"/>
@@ -4439,7 +5499,86 @@
                           <a:cs typeface="+mn-cs"/>
                           <a:sym typeface="Lucida Grande" pitchFamily="-84" charset="0"/>
                         </a:rPr>
-                        <a:t> stratégies souhaitables:</a:t>
+                        <a:t>Intégrer des catégories de choix afin d’effectuer des recherches sur des BD du type </a:t>
+                      </a:r>
+                      <a:r>
+                        <a:rPr lang="fr-FR" altLang="fr-FR" sz="1400" kern="1200" baseline="0" dirty="0" err="1" smtClean="0">
+                          <a:solidFill>
+                            <a:schemeClr val="dk1"/>
+                          </a:solidFill>
+                          <a:latin typeface="+mn-lt"/>
+                          <a:ea typeface="+mn-ea"/>
+                          <a:cs typeface="+mn-cs"/>
+                          <a:sym typeface="Lucida Grande" pitchFamily="-84" charset="0"/>
+                        </a:rPr>
+                        <a:t>Tripadvisor</a:t>
+                      </a:r>
+                      <a:r>
+                        <a:rPr lang="fr-FR" altLang="fr-FR" sz="1400" kern="1200" baseline="0" dirty="0" smtClean="0">
+                          <a:solidFill>
+                            <a:schemeClr val="dk1"/>
+                          </a:solidFill>
+                          <a:latin typeface="+mn-lt"/>
+                          <a:ea typeface="+mn-ea"/>
+                          <a:cs typeface="+mn-cs"/>
+                          <a:sym typeface="Lucida Grande" pitchFamily="-84" charset="0"/>
+                        </a:rPr>
+                        <a:t>, </a:t>
+                      </a:r>
+                      <a:r>
+                        <a:rPr lang="fr-FR" altLang="fr-FR" sz="1400" kern="1200" baseline="0" dirty="0" err="1" smtClean="0">
+                          <a:solidFill>
+                            <a:schemeClr val="dk1"/>
+                          </a:solidFill>
+                          <a:latin typeface="+mn-lt"/>
+                          <a:ea typeface="+mn-ea"/>
+                          <a:cs typeface="+mn-cs"/>
+                          <a:sym typeface="Lucida Grande" pitchFamily="-84" charset="0"/>
+                        </a:rPr>
+                        <a:t>Airbnb</a:t>
+                      </a:r>
+                      <a:r>
+                        <a:rPr lang="fr-FR" altLang="fr-FR" sz="1400" kern="1200" baseline="0" dirty="0" smtClean="0">
+                          <a:solidFill>
+                            <a:schemeClr val="dk1"/>
+                          </a:solidFill>
+                          <a:latin typeface="+mn-lt"/>
+                          <a:ea typeface="+mn-ea"/>
+                          <a:cs typeface="+mn-cs"/>
+                          <a:sym typeface="Lucida Grande" pitchFamily="-84" charset="0"/>
+                        </a:rPr>
+                        <a:t>, Amazon….</a:t>
+                      </a:r>
+                    </a:p>
+                    <a:p>
+                      <a:pPr marL="285750" marR="0" lvl="0" indent="-285750" algn="l" defTabSz="914400" rtl="0" eaLnBrk="1" fontAlgn="auto" latinLnBrk="0" hangingPunct="1">
+                        <a:lnSpc>
+                          <a:spcPct val="100000"/>
+                        </a:lnSpc>
+                        <a:spcBef>
+                          <a:spcPts val="0"/>
+                        </a:spcBef>
+                        <a:spcAft>
+                          <a:spcPts val="0"/>
+                        </a:spcAft>
+                        <a:buClrTx/>
+                        <a:buSzTx/>
+                        <a:buFont typeface="Arial" panose="020B0604020202020204" pitchFamily="34" charset="0"/>
+                        <a:buChar char="•"/>
+                        <a:tabLst/>
+                        <a:defRPr/>
+                      </a:pPr>
+                      <a:r>
+                        <a:rPr lang="fr-FR" altLang="fr-FR" sz="1400" kern="1200" baseline="0" dirty="0" smtClean="0">
+                          <a:solidFill>
+                            <a:schemeClr val="dk1"/>
+                          </a:solidFill>
+                          <a:latin typeface="+mn-lt"/>
+                          <a:ea typeface="+mn-ea"/>
+                          <a:cs typeface="+mn-cs"/>
+                          <a:sym typeface="Lucida Grande" pitchFamily="-84" charset="0"/>
+                        </a:rPr>
+                        <a:t>Revendre les données issues des formulaires à des agences de marketing,</a:t>
                       </a:r>
                       <a:endParaRPr lang="fr-FR" altLang="fr-FR" sz="1400" kern="1200" dirty="0" smtClean="0">
                         <a:solidFill>
@@ -4463,10 +5602,24 @@
                     <a:lstStyle/>
                     <a:p>
                       <a:r>
-                        <a:rPr lang="fr-FR" sz="1400" dirty="0" smtClean="0"/>
-                        <a:t>Notre stratégie:</a:t>
+                        <a:rPr lang="fr-FR" sz="1400" b="1" dirty="0" smtClean="0"/>
+                        <a:t>Notre stratégie</a:t>
                       </a:r>
-                      <a:endParaRPr lang="fr-FR" sz="1400" dirty="0"/>
+                      <a:r>
+                        <a:rPr lang="fr-FR" sz="1400" b="1" dirty="0" smtClean="0"/>
+                        <a:t>:</a:t>
+                      </a:r>
+                    </a:p>
+                    <a:p>
+                      <a:r>
+                        <a:rPr lang="fr-FR" sz="1400" b="0" dirty="0" smtClean="0"/>
+                        <a:t>Communiquer</a:t>
+                      </a:r>
+                      <a:r>
+                        <a:rPr lang="fr-FR" sz="1400" b="0" baseline="0" dirty="0" smtClean="0"/>
+                        <a:t> et diffuser l’application dans les boutiques où les choix sont difficile à faire (Magasins de vêtements, Fnac, Site internet</a:t>
+                      </a:r>
+                      <a:endParaRPr lang="fr-FR" sz="1400" b="0" dirty="0"/>
                     </a:p>
                   </a:txBody>
                   <a:tcPr marL="68580" marR="68580" marT="34290" marB="34290"/>
@@ -4494,7 +5647,7 @@
 </p:sld>
 </file>
 
-<file path=ppt/slides/slide11.xml><?xml version="1.0" encoding="utf-8"?>
+<file path=ppt/slides/slide16.xml><?xml version="1.0" encoding="utf-8"?>
 <p:sld xmlns:a="http://schemas.openxmlformats.org/drawingml/2006/main" xmlns:r="http://schemas.openxmlformats.org/officeDocument/2006/relationships" xmlns:p="http://schemas.openxmlformats.org/presentationml/2006/main">
   <p:cSld>
     <p:spTree>
@@ -4556,7 +5709,7 @@
           <a:p>
             <a:pPr lvl="1"/>
             <a:r>
-              <a:rPr lang="fr-FR" dirty="0"/>
+              <a:rPr lang="fr-FR" b="1" dirty="0"/>
               <a:t>Bannière de publicité</a:t>
             </a:r>
           </a:p>
@@ -4577,7 +5730,7 @@
           <a:p>
             <a:pPr lvl="1"/>
             <a:r>
-              <a:rPr lang="fr-FR" dirty="0"/>
+              <a:rPr lang="fr-FR" b="1" dirty="0"/>
               <a:t>La revente de données issues des formulaires</a:t>
             </a:r>
           </a:p>
@@ -4626,7 +5779,7 @@
 </p:sld>
 </file>
 
-<file path=ppt/slides/slide12.xml><?xml version="1.0" encoding="utf-8"?>
+<file path=ppt/slides/slide17.xml><?xml version="1.0" encoding="utf-8"?>
 <p:sld xmlns:a="http://schemas.openxmlformats.org/drawingml/2006/main" xmlns:r="http://schemas.openxmlformats.org/officeDocument/2006/relationships" xmlns:p="http://schemas.openxmlformats.org/presentationml/2006/main">
   <p:cSld>
     <p:spTree>
@@ -5043,7 +6196,7 @@
 </p:sld>
 </file>
 
-<file path=ppt/slides/slide13.xml><?xml version="1.0" encoding="utf-8"?>
+<file path=ppt/slides/slide18.xml><?xml version="1.0" encoding="utf-8"?>
 <p:sld xmlns:a="http://schemas.openxmlformats.org/drawingml/2006/main" xmlns:r="http://schemas.openxmlformats.org/officeDocument/2006/relationships" xmlns:p="http://schemas.openxmlformats.org/presentationml/2006/main">
   <p:cSld>
     <p:spTree>
@@ -5261,11 +6414,7 @@
                     <a:p>
                       <a:r>
                         <a:rPr lang="fr-FR" sz="1600" dirty="0" smtClean="0"/>
-                        <a:t>&lt;</a:t>
-                      </a:r>
-                      <a:r>
-                        <a:rPr lang="fr-FR" sz="1600" dirty="0" smtClean="0"/>
-                        <a:t>100</a:t>
+                        <a:t>&lt;100</a:t>
                       </a:r>
                       <a:endParaRPr lang="fr-FR" sz="1600" dirty="0"/>
                     </a:p>
@@ -5483,10 +6632,17 @@
   <p:clrMapOvr>
     <a:masterClrMapping/>
   </p:clrMapOvr>
+  <p:timing>
+    <p:tnLst>
+      <p:par>
+        <p:cTn id="1" dur="indefinite" restart="never" nodeType="tmRoot"/>
+      </p:par>
+    </p:tnLst>
+  </p:timing>
 </p:sld>
 </file>
 
-<file path=ppt/slides/slide14.xml><?xml version="1.0" encoding="utf-8"?>
+<file path=ppt/slides/slide19.xml><?xml version="1.0" encoding="utf-8"?>
 <p:sld xmlns:a="http://schemas.openxmlformats.org/drawingml/2006/main" xmlns:r="http://schemas.openxmlformats.org/officeDocument/2006/relationships" xmlns:p="http://schemas.openxmlformats.org/presentationml/2006/main">
   <p:cSld>
     <p:spTree>
@@ -5567,6 +6723,13 @@
   <p:clrMapOvr>
     <a:masterClrMapping/>
   </p:clrMapOvr>
+  <p:timing>
+    <p:tnLst>
+      <p:par>
+        <p:cTn id="1" dur="indefinite" restart="never" nodeType="tmRoot"/>
+      </p:par>
+    </p:tnLst>
+  </p:timing>
 </p:sld>
 </file>
 
@@ -7024,7 +8187,7 @@
                             </p:stCondLst>
                             <p:childTnLst>
                               <p:par>
-                                <p:cTn id="5" presetID="14" presetClass="entr" presetSubtype="10" fill="hold" nodeType="clickEffect">
+                                <p:cTn id="5" presetID="45" presetClass="entr" presetSubtype="0" fill="hold" nodeType="clickEffect">
                                   <p:stCondLst>
                                     <p:cond delay="0"/>
                                   </p:stCondLst>
@@ -7047,14 +8210,60 @@
                                         <p:strVal val="visible"/>
                                       </p:to>
                                     </p:set>
-                                    <p:animEffect transition="in" filter="randombar(horizontal)">
+                                    <p:animEffect transition="in" filter="fade">
                                       <p:cBhvr>
-                                        <p:cTn id="7" dur="500"/>
+                                        <p:cTn id="7" dur="2000"/>
                                         <p:tgtEl>
                                           <p:spTgt spid="4"/>
                                         </p:tgtEl>
                                       </p:cBhvr>
                                     </p:animEffect>
+                                    <p:anim calcmode="lin" valueType="num">
+                                      <p:cBhvr>
+                                        <p:cTn id="8" dur="2000" fill="hold"/>
+                                        <p:tgtEl>
+                                          <p:spTgt spid="4"/>
+                                        </p:tgtEl>
+                                        <p:attrNameLst>
+                                          <p:attrName>ppt_w</p:attrName>
+                                        </p:attrNameLst>
+                                      </p:cBhvr>
+                                      <p:tavLst>
+                                        <p:tav tm="0" fmla="#ppt_w*sin(2.5*pi*$)">
+                                          <p:val>
+                                            <p:fltVal val="0"/>
+                                          </p:val>
+                                        </p:tav>
+                                        <p:tav tm="100000">
+                                          <p:val>
+                                            <p:fltVal val="1"/>
+                                          </p:val>
+                                        </p:tav>
+                                      </p:tavLst>
+                                    </p:anim>
+                                    <p:anim calcmode="lin" valueType="num">
+                                      <p:cBhvr>
+                                        <p:cTn id="9" dur="2000" fill="hold"/>
+                                        <p:tgtEl>
+                                          <p:spTgt spid="4"/>
+                                        </p:tgtEl>
+                                        <p:attrNameLst>
+                                          <p:attrName>ppt_h</p:attrName>
+                                        </p:attrNameLst>
+                                      </p:cBhvr>
+                                      <p:tavLst>
+                                        <p:tav tm="0">
+                                          <p:val>
+                                            <p:strVal val="#ppt_h"/>
+                                          </p:val>
+                                        </p:tav>
+                                        <p:tav tm="100000">
+                                          <p:val>
+                                            <p:strVal val="#ppt_h"/>
+                                          </p:val>
+                                        </p:tav>
+                                      </p:tavLst>
+                                    </p:anim>
                                   </p:childTnLst>
                                 </p:cTn>
                               </p:par>
@@ -7108,7 +8317,7 @@
       </p:grpSpPr>
       <p:sp>
         <p:nvSpPr>
-          <p:cNvPr id="4" name="Title 3"/>
+          <p:cNvPr id="2" name="Title 1"/>
           <p:cNvSpPr>
             <a:spLocks noGrp="1"/>
           </p:cNvSpPr>
@@ -7123,25 +8332,15 @@
           <a:p>
             <a:r>
               <a:rPr lang="fr-FR" dirty="0" smtClean="0"/>
-              <a:t>Analyse marketing</a:t>
-            </a:r>
-            <a:br>
-              <a:rPr lang="fr-FR" dirty="0" smtClean="0"/>
-            </a:br>
-            <a:r>
-              <a:rPr lang="fr-FR" dirty="0" smtClean="0"/>
-              <a:t>Modèle économique</a:t>
-            </a:r>
-            <a:br>
-              <a:rPr lang="fr-FR" dirty="0" smtClean="0"/>
-            </a:br>
+              <a:t>PRESENTATION TECHNIQUE</a:t>
+            </a:r>
             <a:endParaRPr lang="fr-FR" dirty="0"/>
           </a:p>
         </p:txBody>
       </p:sp>
       <p:sp>
         <p:nvSpPr>
-          <p:cNvPr id="5" name="Text Placeholder 4"/>
+          <p:cNvPr id="3" name="Text Placeholder 2"/>
           <p:cNvSpPr>
             <a:spLocks noGrp="1"/>
           </p:cNvSpPr>
@@ -7154,54 +8353,30 @@
           <a:bodyPr/>
           <a:lstStyle/>
           <a:p>
-            <a:endParaRPr lang="fr-FR" dirty="0" smtClean="0"/>
-          </a:p>
-          <a:p>
             <a:endParaRPr lang="fr-FR" dirty="0"/>
           </a:p>
         </p:txBody>
       </p:sp>
       <p:pic>
         <p:nvPicPr>
-          <p:cNvPr id="6" name="Image 5" descr="eze2chooz_logo.png"/>
+          <p:cNvPr id="2050" name="Picture 2" descr="See original image"/>
           <p:cNvPicPr>
-            <a:picLocks noChangeAspect="1"/>
+            <a:picLocks noChangeAspect="1" noChangeArrowheads="1"/>
           </p:cNvPicPr>
           <p:nvPr/>
         </p:nvPicPr>
         <p:blipFill>
           <a:blip r:embed="rId2" cstate="email">
             <a:extLst>
-              <a:ext uri="{28A0092B-C50C-407E-A947-70E740481C1C}">
-                <a14:useLocalDpi xmlns:a14="http://schemas.microsoft.com/office/drawing/2010/main" val="0"/>
+              <a:ext uri="{BEBA8EAE-BF5A-486C-A8C5-ECC9F3942E4B}">
+                <a14:imgProps xmlns:a14="http://schemas.microsoft.com/office/drawing/2010/main">
+                  <a14:imgLayer r:embed="rId3">
+                    <a14:imgEffect>
+                      <a14:saturation sat="66000"/>
+                    </a14:imgEffect>
+                  </a14:imgLayer>
+                </a14:imgProps>
               </a:ext>
-            </a:extLst>
-          </a:blip>
-          <a:stretch>
-            <a:fillRect/>
-          </a:stretch>
-        </p:blipFill>
-        <p:spPr>
-          <a:xfrm rot="1524188">
-            <a:off x="2546869" y="813847"/>
-            <a:ext cx="2568699" cy="2572829"/>
-          </a:xfrm>
-          <a:prstGeom prst="rect">
-            <a:avLst/>
-          </a:prstGeom>
-        </p:spPr>
-      </p:pic>
-      <p:pic>
-        <p:nvPicPr>
-          <p:cNvPr id="1026" name="Picture 2" descr="See original image"/>
-          <p:cNvPicPr>
-            <a:picLocks noChangeAspect="1" noChangeArrowheads="1"/>
-          </p:cNvPicPr>
-          <p:nvPr/>
-        </p:nvPicPr>
-        <p:blipFill>
-          <a:blip r:embed="rId3" cstate="email">
-            <a:extLst>
               <a:ext uri="{28A0092B-C50C-407E-A947-70E740481C1C}">
                 <a14:useLocalDpi xmlns:a14="http://schemas.microsoft.com/office/drawing/2010/main" val="0"/>
               </a:ext>
@@ -7214,18 +8389,13 @@
         </p:blipFill>
         <p:spPr bwMode="auto">
           <a:xfrm>
-            <a:off x="4552156" y="2529729"/>
-            <a:ext cx="4404381" cy="3080406"/>
+            <a:off x="2524703" y="1148629"/>
+            <a:ext cx="6619297" cy="1350877"/>
           </a:xfrm>
-          <a:prstGeom prst="ellipse">
+          <a:prstGeom prst="rect">
             <a:avLst/>
           </a:prstGeom>
-          <a:ln>
-            <a:noFill/>
-          </a:ln>
-          <a:effectLst>
-            <a:softEdge rad="112500"/>
-          </a:effectLst>
+          <a:noFill/>
           <a:extLst>
             <a:ext uri="{909E8E84-426E-40DD-AFC4-6F175D3DCCD1}">
               <a14:hiddenFill xmlns:a14="http://schemas.microsoft.com/office/drawing/2010/main">
@@ -7237,16 +8407,53 @@
           </a:extLst>
         </p:spPr>
       </p:pic>
+      <p:pic>
+        <p:nvPicPr>
+          <p:cNvPr id="5" name="Image 5" descr="eze2chooz_logo.png"/>
+          <p:cNvPicPr>
+            <a:picLocks noChangeAspect="1"/>
+          </p:cNvPicPr>
+          <p:nvPr/>
+        </p:nvPicPr>
+        <p:blipFill>
+          <a:blip r:embed="rId4" cstate="email">
+            <a:extLst>
+              <a:ext uri="{28A0092B-C50C-407E-A947-70E740481C1C}">
+                <a14:useLocalDpi xmlns:a14="http://schemas.microsoft.com/office/drawing/2010/main" val="0"/>
+              </a:ext>
+            </a:extLst>
+          </a:blip>
+          <a:stretch>
+            <a:fillRect/>
+          </a:stretch>
+        </p:blipFill>
+        <p:spPr>
+          <a:xfrm>
+            <a:off x="775855" y="2682107"/>
+            <a:ext cx="1748848" cy="1751660"/>
+          </a:xfrm>
+          <a:prstGeom prst="rect">
+            <a:avLst/>
+          </a:prstGeom>
+        </p:spPr>
+      </p:pic>
     </p:spTree>
     <p:extLst>
       <p:ext uri="{BB962C8B-B14F-4D97-AF65-F5344CB8AC3E}">
-        <p14:creationId xmlns:p14="http://schemas.microsoft.com/office/powerpoint/2010/main" val="2426198664"/>
+        <p14:creationId xmlns:p14="http://schemas.microsoft.com/office/powerpoint/2010/main" val="2754996200"/>
       </p:ext>
     </p:extLst>
   </p:cSld>
   <p:clrMapOvr>
     <a:masterClrMapping/>
   </p:clrMapOvr>
+  <p:timing>
+    <p:tnLst>
+      <p:par>
+        <p:cTn id="1" dur="indefinite" restart="never" nodeType="tmRoot"/>
+      </p:par>
+    </p:tnLst>
+  </p:timing>
 </p:sld>
 </file>
 
